--- a/Documentation/PT-Manager_Poster.pptx
+++ b/Documentation/PT-Manager_Poster.pptx
@@ -4,6 +4,9 @@
   <p:sldMasterIdLst>
     <p:sldMasterId id="2147483660" r:id="rId1"/>
   </p:sldMasterIdLst>
+  <p:notesMasterIdLst>
+    <p:notesMasterId r:id="rId3"/>
+  </p:notesMasterIdLst>
   <p:sldIdLst>
     <p:sldId id="256" r:id="rId2"/>
   </p:sldIdLst>
@@ -104,36 +107,629 @@
       </a:defRPr>
     </a:lvl9pPr>
   </p:defaultTextStyle>
+  <p:extLst>
+    <p:ext uri="{EFAFB233-063F-42B5-8137-9DF3F51BA10A}">
+      <p15:sldGuideLst xmlns:p15="http://schemas.microsoft.com/office/powerpoint/2012/main"/>
+    </p:ext>
+  </p:extLst>
 </p:presentation>
+</file>
+
+<file path=ppt/revisionInfo.xml><?xml version="1.0" encoding="utf-8"?>
+<p1510:revInfo xmlns:a="http://schemas.openxmlformats.org/drawingml/2006/main" xmlns:r="http://schemas.openxmlformats.org/officeDocument/2006/relationships" xmlns:p1510="http://schemas.microsoft.com/office/powerpoint/2015/10/main">
+  <p1510:revLst>
+    <p1510:client id="{E0D5E8B6-D552-4ACE-AF1A-D5757D4F8EAF}" v="7" dt="2024-02-14T16:27:58.650"/>
+  </p1510:revLst>
+</p1510:revInfo>
 </file>
 
 <file path=ppt/changesInfos/changesInfo1.xml><?xml version="1.0" encoding="utf-8"?>
 <pc:chgInfo xmlns:a="http://schemas.openxmlformats.org/drawingml/2006/main" xmlns:r="http://schemas.openxmlformats.org/officeDocument/2006/relationships" xmlns:ac="http://schemas.microsoft.com/office/drawing/2013/main/command" xmlns:pc="http://schemas.microsoft.com/office/powerpoint/2013/main/command">
   <pc:docChgLst>
     <pc:chgData name="Daniel Nkurunziza" userId="305d07471c9f93d9" providerId="LiveId" clId="{E0D5E8B6-D552-4ACE-AF1A-D5757D4F8EAF}"/>
-    <pc:docChg chg="modSld">
-      <pc:chgData name="Daniel Nkurunziza" userId="305d07471c9f93d9" providerId="LiveId" clId="{E0D5E8B6-D552-4ACE-AF1A-D5757D4F8EAF}" dt="2024-02-04T13:11:46.552" v="2" actId="1038"/>
+    <pc:docChg chg="undo custSel modSld">
+      <pc:chgData name="Daniel Nkurunziza" userId="305d07471c9f93d9" providerId="LiveId" clId="{E0D5E8B6-D552-4ACE-AF1A-D5757D4F8EAF}" dt="2024-02-15T01:13:45.669" v="667" actId="20577"/>
       <pc:docMkLst>
         <pc:docMk/>
       </pc:docMkLst>
-      <pc:sldChg chg="modSp mod">
-        <pc:chgData name="Daniel Nkurunziza" userId="305d07471c9f93d9" providerId="LiveId" clId="{E0D5E8B6-D552-4ACE-AF1A-D5757D4F8EAF}" dt="2024-02-04T13:11:46.552" v="2" actId="1038"/>
+      <pc:sldChg chg="addSp delSp modSp mod modNotesTx">
+        <pc:chgData name="Daniel Nkurunziza" userId="305d07471c9f93d9" providerId="LiveId" clId="{E0D5E8B6-D552-4ACE-AF1A-D5757D4F8EAF}" dt="2024-02-15T01:13:45.669" v="667" actId="20577"/>
         <pc:sldMkLst>
           <pc:docMk/>
           <pc:sldMk cId="4243549636" sldId="256"/>
         </pc:sldMkLst>
+        <pc:spChg chg="mod">
+          <ac:chgData name="Daniel Nkurunziza" userId="305d07471c9f93d9" providerId="LiveId" clId="{E0D5E8B6-D552-4ACE-AF1A-D5757D4F8EAF}" dt="2024-02-14T16:22:21.627" v="604" actId="1076"/>
+          <ac:spMkLst>
+            <pc:docMk/>
+            <pc:sldMk cId="4243549636" sldId="256"/>
+            <ac:spMk id="3" creationId="{161FB0BB-D13A-3267-CA92-8AFAB62319FF}"/>
+          </ac:spMkLst>
+        </pc:spChg>
+        <pc:spChg chg="mod">
+          <ac:chgData name="Daniel Nkurunziza" userId="305d07471c9f93d9" providerId="LiveId" clId="{E0D5E8B6-D552-4ACE-AF1A-D5757D4F8EAF}" dt="2024-02-14T16:22:08.543" v="603" actId="20577"/>
+          <ac:spMkLst>
+            <pc:docMk/>
+            <pc:sldMk cId="4243549636" sldId="256"/>
+            <ac:spMk id="6" creationId="{05726411-CF07-3FFE-C0D6-51088F4E61A9}"/>
+          </ac:spMkLst>
+        </pc:spChg>
+        <pc:spChg chg="mod">
+          <ac:chgData name="Daniel Nkurunziza" userId="305d07471c9f93d9" providerId="LiveId" clId="{E0D5E8B6-D552-4ACE-AF1A-D5757D4F8EAF}" dt="2024-02-14T16:18:05.740" v="535" actId="14100"/>
+          <ac:spMkLst>
+            <pc:docMk/>
+            <pc:sldMk cId="4243549636" sldId="256"/>
+            <ac:spMk id="7" creationId="{C35629BE-681F-1F6F-9EE4-7E763688AB61}"/>
+          </ac:spMkLst>
+        </pc:spChg>
+        <pc:spChg chg="mod">
+          <ac:chgData name="Daniel Nkurunziza" userId="305d07471c9f93d9" providerId="LiveId" clId="{E0D5E8B6-D552-4ACE-AF1A-D5757D4F8EAF}" dt="2024-02-14T16:28:22.211" v="632" actId="14100"/>
+          <ac:spMkLst>
+            <pc:docMk/>
+            <pc:sldMk cId="4243549636" sldId="256"/>
+            <ac:spMk id="8" creationId="{12A25A0F-465F-6421-868B-4937C6B4A3DF}"/>
+          </ac:spMkLst>
+        </pc:spChg>
+        <pc:spChg chg="mod">
+          <ac:chgData name="Daniel Nkurunziza" userId="305d07471c9f93d9" providerId="LiveId" clId="{E0D5E8B6-D552-4ACE-AF1A-D5757D4F8EAF}" dt="2024-02-14T16:22:34.979" v="607" actId="164"/>
+          <ac:spMkLst>
+            <pc:docMk/>
+            <pc:sldMk cId="4243549636" sldId="256"/>
+            <ac:spMk id="9" creationId="{299B5EBF-9BD6-45F2-54AE-0C9AD482E822}"/>
+          </ac:spMkLst>
+        </pc:spChg>
+        <pc:spChg chg="mod">
+          <ac:chgData name="Daniel Nkurunziza" userId="305d07471c9f93d9" providerId="LiveId" clId="{E0D5E8B6-D552-4ACE-AF1A-D5757D4F8EAF}" dt="2024-02-15T01:12:17.555" v="636" actId="1076"/>
+          <ac:spMkLst>
+            <pc:docMk/>
+            <pc:sldMk cId="4243549636" sldId="256"/>
+            <ac:spMk id="16" creationId="{FBE1B292-02AF-8956-3E54-7784AC71E864}"/>
+          </ac:spMkLst>
+        </pc:spChg>
+        <pc:spChg chg="mod">
+          <ac:chgData name="Daniel Nkurunziza" userId="305d07471c9f93d9" providerId="LiveId" clId="{E0D5E8B6-D552-4ACE-AF1A-D5757D4F8EAF}" dt="2024-02-15T01:13:45.669" v="667" actId="20577"/>
+          <ac:spMkLst>
+            <pc:docMk/>
+            <pc:sldMk cId="4243549636" sldId="256"/>
+            <ac:spMk id="17" creationId="{2C925843-1344-BA4A-4DDD-F4A1B5F639C2}"/>
+          </ac:spMkLst>
+        </pc:spChg>
+        <pc:spChg chg="mod">
+          <ac:chgData name="Daniel Nkurunziza" userId="305d07471c9f93d9" providerId="LiveId" clId="{E0D5E8B6-D552-4ACE-AF1A-D5757D4F8EAF}" dt="2024-02-14T16:22:34.979" v="607" actId="164"/>
+          <ac:spMkLst>
+            <pc:docMk/>
+            <pc:sldMk cId="4243549636" sldId="256"/>
+            <ac:spMk id="18" creationId="{D9F6FF1D-787C-EA87-D7BF-A0560437F047}"/>
+          </ac:spMkLst>
+        </pc:spChg>
+        <pc:grpChg chg="add mod">
+          <ac:chgData name="Daniel Nkurunziza" userId="305d07471c9f93d9" providerId="LiveId" clId="{E0D5E8B6-D552-4ACE-AF1A-D5757D4F8EAF}" dt="2024-02-14T16:22:36.979" v="608" actId="1076"/>
+          <ac:grpSpMkLst>
+            <pc:docMk/>
+            <pc:sldMk cId="4243549636" sldId="256"/>
+            <ac:grpSpMk id="4" creationId="{172FE837-FB73-1502-2288-D8ABB2E6CE33}"/>
+          </ac:grpSpMkLst>
+        </pc:grpChg>
+        <pc:grpChg chg="mod">
+          <ac:chgData name="Daniel Nkurunziza" userId="305d07471c9f93d9" providerId="LiveId" clId="{E0D5E8B6-D552-4ACE-AF1A-D5757D4F8EAF}" dt="2024-02-14T16:27:47.346" v="627" actId="1076"/>
+          <ac:grpSpMkLst>
+            <pc:docMk/>
+            <pc:sldMk cId="4243549636" sldId="256"/>
+            <ac:grpSpMk id="25" creationId="{63C0D82F-7BC7-D9A0-1079-B74C230B3B93}"/>
+          </ac:grpSpMkLst>
+        </pc:grpChg>
+        <pc:grpChg chg="mod">
+          <ac:chgData name="Daniel Nkurunziza" userId="305d07471c9f93d9" providerId="LiveId" clId="{E0D5E8B6-D552-4ACE-AF1A-D5757D4F8EAF}" dt="2024-02-14T16:28:29.291" v="634" actId="1076"/>
+          <ac:grpSpMkLst>
+            <pc:docMk/>
+            <pc:sldMk cId="4243549636" sldId="256"/>
+            <ac:grpSpMk id="26" creationId="{9B82576E-D94F-FF81-92A4-EEB997CC75F1}"/>
+          </ac:grpSpMkLst>
+        </pc:grpChg>
+        <pc:picChg chg="add mod">
+          <ac:chgData name="Daniel Nkurunziza" userId="305d07471c9f93d9" providerId="LiveId" clId="{E0D5E8B6-D552-4ACE-AF1A-D5757D4F8EAF}" dt="2024-02-14T16:26:20.578" v="619" actId="14100"/>
+          <ac:picMkLst>
+            <pc:docMk/>
+            <pc:sldMk cId="4243549636" sldId="256"/>
+            <ac:picMk id="11" creationId="{6973DB18-264A-D063-F0B9-0BD6C758E939}"/>
+          </ac:picMkLst>
+        </pc:picChg>
+        <pc:picChg chg="add mod">
+          <ac:chgData name="Daniel Nkurunziza" userId="305d07471c9f93d9" providerId="LiveId" clId="{E0D5E8B6-D552-4ACE-AF1A-D5757D4F8EAF}" dt="2024-02-14T16:27:58.650" v="630" actId="1076"/>
+          <ac:picMkLst>
+            <pc:docMk/>
+            <pc:sldMk cId="4243549636" sldId="256"/>
+            <ac:picMk id="12" creationId="{780B7BA1-3514-9DE8-5C3A-B6641D67072D}"/>
+          </ac:picMkLst>
+        </pc:picChg>
+        <pc:picChg chg="del">
+          <ac:chgData name="Daniel Nkurunziza" userId="305d07471c9f93d9" providerId="LiveId" clId="{E0D5E8B6-D552-4ACE-AF1A-D5757D4F8EAF}" dt="2024-02-14T16:26:15.546" v="617" actId="478"/>
+          <ac:picMkLst>
+            <pc:docMk/>
+            <pc:sldMk cId="4243549636" sldId="256"/>
+            <ac:picMk id="15" creationId="{C5A82920-2BC4-0071-0A7B-496525A3CD95}"/>
+          </ac:picMkLst>
+        </pc:picChg>
         <pc:picChg chg="mod">
-          <ac:chgData name="Daniel Nkurunziza" userId="305d07471c9f93d9" providerId="LiveId" clId="{E0D5E8B6-D552-4ACE-AF1A-D5757D4F8EAF}" dt="2024-02-04T13:11:46.552" v="2" actId="1038"/>
+          <ac:chgData name="Daniel Nkurunziza" userId="305d07471c9f93d9" providerId="LiveId" clId="{E0D5E8B6-D552-4ACE-AF1A-D5757D4F8EAF}" dt="2024-02-14T16:27:31.698" v="624" actId="1076"/>
           <ac:picMkLst>
             <pc:docMk/>
             <pc:sldMk cId="4243549636" sldId="256"/>
             <ac:picMk id="28" creationId="{6731E29C-67D7-AF2A-4AA2-E1DA642CA2A3}"/>
           </ac:picMkLst>
         </pc:picChg>
+        <pc:picChg chg="mod">
+          <ac:chgData name="Daniel Nkurunziza" userId="305d07471c9f93d9" providerId="LiveId" clId="{E0D5E8B6-D552-4ACE-AF1A-D5757D4F8EAF}" dt="2024-02-14T16:27:54.274" v="629" actId="1076"/>
+          <ac:picMkLst>
+            <pc:docMk/>
+            <pc:sldMk cId="4243549636" sldId="256"/>
+            <ac:picMk id="1026" creationId="{F4EF4B9A-0D0A-28F3-ECC3-434F73DBA7DE}"/>
+          </ac:picMkLst>
+        </pc:picChg>
       </pc:sldChg>
     </pc:docChg>
   </pc:docChgLst>
 </pc:chgInfo>
+</file>
+
+<file path=ppt/notesMasters/notesMaster1.xml><?xml version="1.0" encoding="utf-8"?>
+<p:notesMaster xmlns:a="http://schemas.openxmlformats.org/drawingml/2006/main" xmlns:r="http://schemas.openxmlformats.org/officeDocument/2006/relationships" xmlns:p="http://schemas.openxmlformats.org/presentationml/2006/main">
+  <p:cSld>
+    <p:bg>
+      <p:bgRef idx="1001">
+        <a:schemeClr val="bg1"/>
+      </p:bgRef>
+    </p:bg>
+    <p:spTree>
+      <p:nvGrpSpPr>
+        <p:cNvPr id="1" name=""/>
+        <p:cNvGrpSpPr/>
+        <p:nvPr/>
+      </p:nvGrpSpPr>
+      <p:grpSpPr>
+        <a:xfrm>
+          <a:off x="0" y="0"/>
+          <a:ext cx="0" cy="0"/>
+          <a:chOff x="0" y="0"/>
+          <a:chExt cx="0" cy="0"/>
+        </a:xfrm>
+      </p:grpSpPr>
+      <p:sp>
+        <p:nvSpPr>
+          <p:cNvPr id="2" name="Header Placeholder 1"/>
+          <p:cNvSpPr>
+            <a:spLocks noGrp="1"/>
+          </p:cNvSpPr>
+          <p:nvPr>
+            <p:ph type="hdr" sz="quarter"/>
+          </p:nvPr>
+        </p:nvSpPr>
+        <p:spPr>
+          <a:xfrm>
+            <a:off x="0" y="0"/>
+            <a:ext cx="2971800" cy="458788"/>
+          </a:xfrm>
+          <a:prstGeom prst="rect">
+            <a:avLst/>
+          </a:prstGeom>
+        </p:spPr>
+        <p:txBody>
+          <a:bodyPr vert="horz" lIns="91440" tIns="45720" rIns="91440" bIns="45720" rtlCol="0"/>
+          <a:lstStyle>
+            <a:lvl1pPr algn="l">
+              <a:defRPr sz="1200"/>
+            </a:lvl1pPr>
+          </a:lstStyle>
+          <a:p>
+            <a:endParaRPr lang="en-UG"/>
+          </a:p>
+        </p:txBody>
+      </p:sp>
+      <p:sp>
+        <p:nvSpPr>
+          <p:cNvPr id="3" name="Date Placeholder 2"/>
+          <p:cNvSpPr>
+            <a:spLocks noGrp="1"/>
+          </p:cNvSpPr>
+          <p:nvPr>
+            <p:ph type="dt" idx="1"/>
+          </p:nvPr>
+        </p:nvSpPr>
+        <p:spPr>
+          <a:xfrm>
+            <a:off x="3884613" y="0"/>
+            <a:ext cx="2971800" cy="458788"/>
+          </a:xfrm>
+          <a:prstGeom prst="rect">
+            <a:avLst/>
+          </a:prstGeom>
+        </p:spPr>
+        <p:txBody>
+          <a:bodyPr vert="horz" lIns="91440" tIns="45720" rIns="91440" bIns="45720" rtlCol="0"/>
+          <a:lstStyle>
+            <a:lvl1pPr algn="r">
+              <a:defRPr sz="1200"/>
+            </a:lvl1pPr>
+          </a:lstStyle>
+          <a:p>
+            <a:fld id="{43581BA9-868B-4A8E-A633-41BB81ABDE71}" type="datetimeFigureOut">
+              <a:rPr lang="en-UG" smtClean="0"/>
+              <a:t>14/02/2024</a:t>
+            </a:fld>
+            <a:endParaRPr lang="en-UG"/>
+          </a:p>
+        </p:txBody>
+      </p:sp>
+      <p:sp>
+        <p:nvSpPr>
+          <p:cNvPr id="4" name="Slide Image Placeholder 3"/>
+          <p:cNvSpPr>
+            <a:spLocks noGrp="1" noRot="1" noChangeAspect="1"/>
+          </p:cNvSpPr>
+          <p:nvPr>
+            <p:ph type="sldImg" idx="2"/>
+          </p:nvPr>
+        </p:nvSpPr>
+        <p:spPr>
+          <a:xfrm>
+            <a:off x="2560638" y="1143000"/>
+            <a:ext cx="1736725" cy="3086100"/>
+          </a:xfrm>
+          <a:prstGeom prst="rect">
+            <a:avLst/>
+          </a:prstGeom>
+          <a:noFill/>
+          <a:ln w="12700">
+            <a:solidFill>
+              <a:prstClr val="black"/>
+            </a:solidFill>
+          </a:ln>
+        </p:spPr>
+        <p:txBody>
+          <a:bodyPr vert="horz" lIns="91440" tIns="45720" rIns="91440" bIns="45720" rtlCol="0" anchor="ctr"/>
+          <a:lstStyle/>
+          <a:p>
+            <a:endParaRPr lang="en-UG"/>
+          </a:p>
+        </p:txBody>
+      </p:sp>
+      <p:sp>
+        <p:nvSpPr>
+          <p:cNvPr id="5" name="Notes Placeholder 4"/>
+          <p:cNvSpPr>
+            <a:spLocks noGrp="1"/>
+          </p:cNvSpPr>
+          <p:nvPr>
+            <p:ph type="body" sz="quarter" idx="3"/>
+          </p:nvPr>
+        </p:nvSpPr>
+        <p:spPr>
+          <a:xfrm>
+            <a:off x="685800" y="4400550"/>
+            <a:ext cx="5486400" cy="3600450"/>
+          </a:xfrm>
+          <a:prstGeom prst="rect">
+            <a:avLst/>
+          </a:prstGeom>
+        </p:spPr>
+        <p:txBody>
+          <a:bodyPr vert="horz" lIns="91440" tIns="45720" rIns="91440" bIns="45720" rtlCol="0"/>
+          <a:lstStyle/>
+          <a:p>
+            <a:pPr lvl="0"/>
+            <a:r>
+              <a:rPr lang="en-US"/>
+              <a:t>Click to edit Master text styles</a:t>
+            </a:r>
+          </a:p>
+          <a:p>
+            <a:pPr lvl="1"/>
+            <a:r>
+              <a:rPr lang="en-US"/>
+              <a:t>Second level</a:t>
+            </a:r>
+          </a:p>
+          <a:p>
+            <a:pPr lvl="2"/>
+            <a:r>
+              <a:rPr lang="en-US"/>
+              <a:t>Third level</a:t>
+            </a:r>
+          </a:p>
+          <a:p>
+            <a:pPr lvl="3"/>
+            <a:r>
+              <a:rPr lang="en-US"/>
+              <a:t>Fourth level</a:t>
+            </a:r>
+          </a:p>
+          <a:p>
+            <a:pPr lvl="4"/>
+            <a:r>
+              <a:rPr lang="en-US"/>
+              <a:t>Fifth level</a:t>
+            </a:r>
+            <a:endParaRPr lang="en-UG"/>
+          </a:p>
+        </p:txBody>
+      </p:sp>
+      <p:sp>
+        <p:nvSpPr>
+          <p:cNvPr id="6" name="Footer Placeholder 5"/>
+          <p:cNvSpPr>
+            <a:spLocks noGrp="1"/>
+          </p:cNvSpPr>
+          <p:nvPr>
+            <p:ph type="ftr" sz="quarter" idx="4"/>
+          </p:nvPr>
+        </p:nvSpPr>
+        <p:spPr>
+          <a:xfrm>
+            <a:off x="0" y="8685213"/>
+            <a:ext cx="2971800" cy="458787"/>
+          </a:xfrm>
+          <a:prstGeom prst="rect">
+            <a:avLst/>
+          </a:prstGeom>
+        </p:spPr>
+        <p:txBody>
+          <a:bodyPr vert="horz" lIns="91440" tIns="45720" rIns="91440" bIns="45720" rtlCol="0" anchor="b"/>
+          <a:lstStyle>
+            <a:lvl1pPr algn="l">
+              <a:defRPr sz="1200"/>
+            </a:lvl1pPr>
+          </a:lstStyle>
+          <a:p>
+            <a:endParaRPr lang="en-UG"/>
+          </a:p>
+        </p:txBody>
+      </p:sp>
+      <p:sp>
+        <p:nvSpPr>
+          <p:cNvPr id="7" name="Slide Number Placeholder 6"/>
+          <p:cNvSpPr>
+            <a:spLocks noGrp="1"/>
+          </p:cNvSpPr>
+          <p:nvPr>
+            <p:ph type="sldNum" sz="quarter" idx="5"/>
+          </p:nvPr>
+        </p:nvSpPr>
+        <p:spPr>
+          <a:xfrm>
+            <a:off x="3884613" y="8685213"/>
+            <a:ext cx="2971800" cy="458787"/>
+          </a:xfrm>
+          <a:prstGeom prst="rect">
+            <a:avLst/>
+          </a:prstGeom>
+        </p:spPr>
+        <p:txBody>
+          <a:bodyPr vert="horz" lIns="91440" tIns="45720" rIns="91440" bIns="45720" rtlCol="0" anchor="b"/>
+          <a:lstStyle>
+            <a:lvl1pPr algn="r">
+              <a:defRPr sz="1200"/>
+            </a:lvl1pPr>
+          </a:lstStyle>
+          <a:p>
+            <a:fld id="{F4B87CF3-C75B-4142-9470-C6BA696FCF85}" type="slidenum">
+              <a:rPr lang="en-UG" smtClean="0"/>
+              <a:t>‹#›</a:t>
+            </a:fld>
+            <a:endParaRPr lang="en-UG"/>
+          </a:p>
+        </p:txBody>
+      </p:sp>
+    </p:spTree>
+    <p:extLst>
+      <p:ext uri="{BB962C8B-B14F-4D97-AF65-F5344CB8AC3E}">
+        <p14:creationId xmlns:p14="http://schemas.microsoft.com/office/powerpoint/2010/main" val="2309569154"/>
+      </p:ext>
+    </p:extLst>
+  </p:cSld>
+  <p:clrMap bg1="lt1" tx1="dk1" bg2="lt2" tx2="dk2" accent1="accent1" accent2="accent2" accent3="accent3" accent4="accent4" accent5="accent5" accent6="accent6" hlink="hlink" folHlink="folHlink"/>
+  <p:notesStyle>
+    <a:lvl1pPr marL="0" algn="l" defTabSz="914400" rtl="0" eaLnBrk="1" latinLnBrk="0" hangingPunct="1">
+      <a:defRPr sz="1200" kern="1200">
+        <a:solidFill>
+          <a:schemeClr val="tx1"/>
+        </a:solidFill>
+        <a:latin typeface="+mn-lt"/>
+        <a:ea typeface="+mn-ea"/>
+        <a:cs typeface="+mn-cs"/>
+      </a:defRPr>
+    </a:lvl1pPr>
+    <a:lvl2pPr marL="457200" algn="l" defTabSz="914400" rtl="0" eaLnBrk="1" latinLnBrk="0" hangingPunct="1">
+      <a:defRPr sz="1200" kern="1200">
+        <a:solidFill>
+          <a:schemeClr val="tx1"/>
+        </a:solidFill>
+        <a:latin typeface="+mn-lt"/>
+        <a:ea typeface="+mn-ea"/>
+        <a:cs typeface="+mn-cs"/>
+      </a:defRPr>
+    </a:lvl2pPr>
+    <a:lvl3pPr marL="914400" algn="l" defTabSz="914400" rtl="0" eaLnBrk="1" latinLnBrk="0" hangingPunct="1">
+      <a:defRPr sz="1200" kern="1200">
+        <a:solidFill>
+          <a:schemeClr val="tx1"/>
+        </a:solidFill>
+        <a:latin typeface="+mn-lt"/>
+        <a:ea typeface="+mn-ea"/>
+        <a:cs typeface="+mn-cs"/>
+      </a:defRPr>
+    </a:lvl3pPr>
+    <a:lvl4pPr marL="1371600" algn="l" defTabSz="914400" rtl="0" eaLnBrk="1" latinLnBrk="0" hangingPunct="1">
+      <a:defRPr sz="1200" kern="1200">
+        <a:solidFill>
+          <a:schemeClr val="tx1"/>
+        </a:solidFill>
+        <a:latin typeface="+mn-lt"/>
+        <a:ea typeface="+mn-ea"/>
+        <a:cs typeface="+mn-cs"/>
+      </a:defRPr>
+    </a:lvl4pPr>
+    <a:lvl5pPr marL="1828800" algn="l" defTabSz="914400" rtl="0" eaLnBrk="1" latinLnBrk="0" hangingPunct="1">
+      <a:defRPr sz="1200" kern="1200">
+        <a:solidFill>
+          <a:schemeClr val="tx1"/>
+        </a:solidFill>
+        <a:latin typeface="+mn-lt"/>
+        <a:ea typeface="+mn-ea"/>
+        <a:cs typeface="+mn-cs"/>
+      </a:defRPr>
+    </a:lvl5pPr>
+    <a:lvl6pPr marL="2286000" algn="l" defTabSz="914400" rtl="0" eaLnBrk="1" latinLnBrk="0" hangingPunct="1">
+      <a:defRPr sz="1200" kern="1200">
+        <a:solidFill>
+          <a:schemeClr val="tx1"/>
+        </a:solidFill>
+        <a:latin typeface="+mn-lt"/>
+        <a:ea typeface="+mn-ea"/>
+        <a:cs typeface="+mn-cs"/>
+      </a:defRPr>
+    </a:lvl6pPr>
+    <a:lvl7pPr marL="2743200" algn="l" defTabSz="914400" rtl="0" eaLnBrk="1" latinLnBrk="0" hangingPunct="1">
+      <a:defRPr sz="1200" kern="1200">
+        <a:solidFill>
+          <a:schemeClr val="tx1"/>
+        </a:solidFill>
+        <a:latin typeface="+mn-lt"/>
+        <a:ea typeface="+mn-ea"/>
+        <a:cs typeface="+mn-cs"/>
+      </a:defRPr>
+    </a:lvl7pPr>
+    <a:lvl8pPr marL="3200400" algn="l" defTabSz="914400" rtl="0" eaLnBrk="1" latinLnBrk="0" hangingPunct="1">
+      <a:defRPr sz="1200" kern="1200">
+        <a:solidFill>
+          <a:schemeClr val="tx1"/>
+        </a:solidFill>
+        <a:latin typeface="+mn-lt"/>
+        <a:ea typeface="+mn-ea"/>
+        <a:cs typeface="+mn-cs"/>
+      </a:defRPr>
+    </a:lvl8pPr>
+    <a:lvl9pPr marL="3657600" algn="l" defTabSz="914400" rtl="0" eaLnBrk="1" latinLnBrk="0" hangingPunct="1">
+      <a:defRPr sz="1200" kern="1200">
+        <a:solidFill>
+          <a:schemeClr val="tx1"/>
+        </a:solidFill>
+        <a:latin typeface="+mn-lt"/>
+        <a:ea typeface="+mn-ea"/>
+        <a:cs typeface="+mn-cs"/>
+      </a:defRPr>
+    </a:lvl9pPr>
+  </p:notesStyle>
+</p:notesMaster>
+</file>
+
+<file path=ppt/notesSlides/notesSlide1.xml><?xml version="1.0" encoding="utf-8"?>
+<p:notes xmlns:a="http://schemas.openxmlformats.org/drawingml/2006/main" xmlns:r="http://schemas.openxmlformats.org/officeDocument/2006/relationships" xmlns:p="http://schemas.openxmlformats.org/presentationml/2006/main">
+  <p:cSld>
+    <p:spTree>
+      <p:nvGrpSpPr>
+        <p:cNvPr id="1" name=""/>
+        <p:cNvGrpSpPr/>
+        <p:nvPr/>
+      </p:nvGrpSpPr>
+      <p:grpSpPr>
+        <a:xfrm>
+          <a:off x="0" y="0"/>
+          <a:ext cx="0" cy="0"/>
+          <a:chOff x="0" y="0"/>
+          <a:chExt cx="0" cy="0"/>
+        </a:xfrm>
+      </p:grpSpPr>
+      <p:sp>
+        <p:nvSpPr>
+          <p:cNvPr id="2" name="Slide Image Placeholder 1"/>
+          <p:cNvSpPr>
+            <a:spLocks noGrp="1" noRot="1" noChangeAspect="1"/>
+          </p:cNvSpPr>
+          <p:nvPr>
+            <p:ph type="sldImg"/>
+          </p:nvPr>
+        </p:nvSpPr>
+        <p:spPr/>
+      </p:sp>
+      <p:sp>
+        <p:nvSpPr>
+          <p:cNvPr id="3" name="Notes Placeholder 2"/>
+          <p:cNvSpPr>
+            <a:spLocks noGrp="1"/>
+          </p:cNvSpPr>
+          <p:nvPr>
+            <p:ph type="body" idx="1"/>
+          </p:nvPr>
+        </p:nvSpPr>
+        <p:spPr/>
+        <p:txBody>
+          <a:bodyPr/>
+          <a:lstStyle/>
+          <a:p>
+            <a:r>
+              <a:rPr lang="en-US" dirty="0"/>
+              <a:t>Things that are work in progress, Ideas of extending it.</a:t>
+            </a:r>
+          </a:p>
+          <a:p>
+            <a:r>
+              <a:rPr lang="en-US" dirty="0"/>
+              <a:t>It would be better to see a general picture of what the app will do when its finished.</a:t>
+            </a:r>
+          </a:p>
+          <a:p>
+            <a:r>
+              <a:rPr lang="en-US" dirty="0"/>
+              <a:t>Discuss any of the technical details of the app, technical challenges, performance issues,</a:t>
+            </a:r>
+          </a:p>
+          <a:p>
+            <a:r>
+              <a:rPr lang="en-US" dirty="0"/>
+              <a:t>Anything we would want to talk about. “Implementing this was a </a:t>
+            </a:r>
+            <a:r>
+              <a:rPr lang="en-US"/>
+              <a:t>challenge because of…”</a:t>
+            </a:r>
+            <a:endParaRPr lang="en-UG" dirty="0"/>
+          </a:p>
+        </p:txBody>
+      </p:sp>
+      <p:sp>
+        <p:nvSpPr>
+          <p:cNvPr id="4" name="Slide Number Placeholder 3"/>
+          <p:cNvSpPr>
+            <a:spLocks noGrp="1"/>
+          </p:cNvSpPr>
+          <p:nvPr>
+            <p:ph type="sldNum" sz="quarter" idx="5"/>
+          </p:nvPr>
+        </p:nvSpPr>
+        <p:spPr/>
+        <p:txBody>
+          <a:bodyPr/>
+          <a:lstStyle/>
+          <a:p>
+            <a:fld id="{F4B87CF3-C75B-4142-9470-C6BA696FCF85}" type="slidenum">
+              <a:rPr lang="en-UG" smtClean="0"/>
+              <a:t>1</a:t>
+            </a:fld>
+            <a:endParaRPr lang="en-UG"/>
+          </a:p>
+        </p:txBody>
+      </p:sp>
+    </p:spTree>
+    <p:extLst>
+      <p:ext uri="{BB962C8B-B14F-4D97-AF65-F5344CB8AC3E}">
+        <p14:creationId xmlns:p14="http://schemas.microsoft.com/office/powerpoint/2010/main" val="2005687652"/>
+      </p:ext>
+    </p:extLst>
+  </p:cSld>
+  <p:clrMapOvr>
+    <a:masterClrMapping/>
+  </p:clrMapOvr>
+</p:notes>
 </file>
 
 <file path=ppt/slideLayouts/slideLayout1.xml><?xml version="1.0" encoding="utf-8"?>
@@ -267,7 +863,7 @@
           <a:p>
             <a:fld id="{18D8C6C0-4890-4159-BC5C-108BFCBAEF80}" type="datetimeFigureOut">
               <a:rPr lang="en-UG" smtClean="0"/>
-              <a:t>04/02/2024</a:t>
+              <a:t>14/02/2024</a:t>
             </a:fld>
             <a:endParaRPr lang="en-UG"/>
           </a:p>
@@ -437,7 +1033,7 @@
           <a:p>
             <a:fld id="{18D8C6C0-4890-4159-BC5C-108BFCBAEF80}" type="datetimeFigureOut">
               <a:rPr lang="en-UG" smtClean="0"/>
-              <a:t>04/02/2024</a:t>
+              <a:t>14/02/2024</a:t>
             </a:fld>
             <a:endParaRPr lang="en-UG"/>
           </a:p>
@@ -617,7 +1213,7 @@
           <a:p>
             <a:fld id="{18D8C6C0-4890-4159-BC5C-108BFCBAEF80}" type="datetimeFigureOut">
               <a:rPr lang="en-UG" smtClean="0"/>
-              <a:t>04/02/2024</a:t>
+              <a:t>14/02/2024</a:t>
             </a:fld>
             <a:endParaRPr lang="en-UG"/>
           </a:p>
@@ -787,7 +1383,7 @@
           <a:p>
             <a:fld id="{18D8C6C0-4890-4159-BC5C-108BFCBAEF80}" type="datetimeFigureOut">
               <a:rPr lang="en-UG" smtClean="0"/>
-              <a:t>04/02/2024</a:t>
+              <a:t>14/02/2024</a:t>
             </a:fld>
             <a:endParaRPr lang="en-UG"/>
           </a:p>
@@ -1031,7 +1627,7 @@
           <a:p>
             <a:fld id="{18D8C6C0-4890-4159-BC5C-108BFCBAEF80}" type="datetimeFigureOut">
               <a:rPr lang="en-UG" smtClean="0"/>
-              <a:t>04/02/2024</a:t>
+              <a:t>14/02/2024</a:t>
             </a:fld>
             <a:endParaRPr lang="en-UG"/>
           </a:p>
@@ -1263,7 +1859,7 @@
           <a:p>
             <a:fld id="{18D8C6C0-4890-4159-BC5C-108BFCBAEF80}" type="datetimeFigureOut">
               <a:rPr lang="en-UG" smtClean="0"/>
-              <a:t>04/02/2024</a:t>
+              <a:t>14/02/2024</a:t>
             </a:fld>
             <a:endParaRPr lang="en-UG"/>
           </a:p>
@@ -1630,7 +2226,7 @@
           <a:p>
             <a:fld id="{18D8C6C0-4890-4159-BC5C-108BFCBAEF80}" type="datetimeFigureOut">
               <a:rPr lang="en-UG" smtClean="0"/>
-              <a:t>04/02/2024</a:t>
+              <a:t>14/02/2024</a:t>
             </a:fld>
             <a:endParaRPr lang="en-UG"/>
           </a:p>
@@ -1748,7 +2344,7 @@
           <a:p>
             <a:fld id="{18D8C6C0-4890-4159-BC5C-108BFCBAEF80}" type="datetimeFigureOut">
               <a:rPr lang="en-UG" smtClean="0"/>
-              <a:t>04/02/2024</a:t>
+              <a:t>14/02/2024</a:t>
             </a:fld>
             <a:endParaRPr lang="en-UG"/>
           </a:p>
@@ -1843,7 +2439,7 @@
           <a:p>
             <a:fld id="{18D8C6C0-4890-4159-BC5C-108BFCBAEF80}" type="datetimeFigureOut">
               <a:rPr lang="en-UG" smtClean="0"/>
-              <a:t>04/02/2024</a:t>
+              <a:t>14/02/2024</a:t>
             </a:fld>
             <a:endParaRPr lang="en-UG"/>
           </a:p>
@@ -2120,7 +2716,7 @@
           <a:p>
             <a:fld id="{18D8C6C0-4890-4159-BC5C-108BFCBAEF80}" type="datetimeFigureOut">
               <a:rPr lang="en-UG" smtClean="0"/>
-              <a:t>04/02/2024</a:t>
+              <a:t>14/02/2024</a:t>
             </a:fld>
             <a:endParaRPr lang="en-UG"/>
           </a:p>
@@ -2377,7 +2973,7 @@
           <a:p>
             <a:fld id="{18D8C6C0-4890-4159-BC5C-108BFCBAEF80}" type="datetimeFigureOut">
               <a:rPr lang="en-UG" smtClean="0"/>
-              <a:t>04/02/2024</a:t>
+              <a:t>14/02/2024</a:t>
             </a:fld>
             <a:endParaRPr lang="en-UG"/>
           </a:p>
@@ -2590,7 +3186,7 @@
           <a:p>
             <a:fld id="{18D8C6C0-4890-4159-BC5C-108BFCBAEF80}" type="datetimeFigureOut">
               <a:rPr lang="en-UG" smtClean="0"/>
-              <a:t>04/02/2024</a:t>
+              <a:t>14/02/2024</a:t>
             </a:fld>
             <a:endParaRPr lang="en-UG"/>
           </a:p>
@@ -3132,7 +3728,7 @@
         </p:nvSpPr>
         <p:spPr>
           <a:xfrm>
-            <a:off x="296856" y="3400226"/>
+            <a:off x="296855" y="3327583"/>
             <a:ext cx="4205286" cy="936132"/>
           </a:xfrm>
         </p:spPr>
@@ -3174,7 +3770,7 @@
           <p:nvPr/>
         </p:nvPicPr>
         <p:blipFill rotWithShape="1">
-          <a:blip r:embed="rId2" cstate="print">
+          <a:blip r:embed="rId3" cstate="print">
             <a:extLst>
               <a:ext uri="{28A0092B-C50C-407E-A947-70E740481C1C}">
                 <a14:useLocalDpi xmlns:a14="http://schemas.microsoft.com/office/drawing/2010/main" val="0"/>
@@ -7006,7 +7602,7 @@
               </a:pathLst>
             </a:custGeom>
             <a:blipFill>
-              <a:blip r:embed="rId3">
+              <a:blip r:embed="rId4">
                 <a:alphaModFix amt="57000"/>
               </a:blip>
               <a:tile tx="0" ty="0" sx="100000" sy="100000" flip="none" algn="tl"/>
@@ -7060,10 +7656,10 @@
         </p:nvGrpSpPr>
         <p:grpSpPr>
           <a:xfrm>
-            <a:off x="200251" y="8015074"/>
-            <a:ext cx="2156870" cy="2295914"/>
-            <a:chOff x="296855" y="8015073"/>
-            <a:chExt cx="2156870" cy="1866580"/>
+            <a:off x="153809" y="7535971"/>
+            <a:ext cx="2777464" cy="2946745"/>
+            <a:chOff x="300036" y="8015073"/>
+            <a:chExt cx="2156870" cy="2395705"/>
           </a:xfrm>
         </p:grpSpPr>
         <p:sp>
@@ -7080,8 +7676,8 @@
           </p:nvSpPr>
           <p:spPr>
             <a:xfrm>
-              <a:off x="296855" y="8455384"/>
-              <a:ext cx="2156870" cy="1426269"/>
+              <a:off x="300036" y="8308909"/>
+              <a:ext cx="2156870" cy="2101869"/>
             </a:xfrm>
             <a:prstGeom prst="rect">
               <a:avLst/>
@@ -7100,7 +7696,7 @@
                     <a:schemeClr val="bg1"/>
                   </a:solidFill>
                 </a:rPr>
-                <a:t>Clients and trainers can communicate using the in-app chat system, for changes in class times or updates.</a:t>
+                <a:t>Clients and trainers can communicate using the in-app chat system, for changes in class times or updates. Combining WebSocket and Node.js server the aim is to handle HTTP requests and responses in real-time</a:t>
               </a:r>
               <a:endParaRPr lang="en-UG" dirty="0">
                 <a:solidFill>
@@ -7125,7 +7721,7 @@
           <p:spPr>
             <a:xfrm>
               <a:off x="300036" y="8015073"/>
-              <a:ext cx="1899494" cy="369332"/>
+              <a:ext cx="1994577" cy="300267"/>
             </a:xfrm>
             <a:prstGeom prst="rect">
               <a:avLst/>
@@ -7133,7 +7729,7 @@
             <a:noFill/>
           </p:spPr>
           <p:txBody>
-            <a:bodyPr wrap="none" rtlCol="0">
+            <a:bodyPr wrap="square" rtlCol="0">
               <a:spAutoFit/>
             </a:bodyPr>
             <a:lstStyle/>
@@ -7155,86 +7751,6 @@
           </p:txBody>
         </p:sp>
       </p:grpSp>
-      <p:sp>
-        <p:nvSpPr>
-          <p:cNvPr id="9" name="TextBox 8">
-            <a:extLst>
-              <a:ext uri="{FF2B5EF4-FFF2-40B4-BE49-F238E27FC236}">
-                <a16:creationId xmlns:a16="http://schemas.microsoft.com/office/drawing/2014/main" id="{299B5EBF-9BD6-45F2-54AE-0C9AD482E822}"/>
-              </a:ext>
-            </a:extLst>
-          </p:cNvPr>
-          <p:cNvSpPr txBox="1"/>
-          <p:nvPr/>
-        </p:nvSpPr>
-        <p:spPr>
-          <a:xfrm>
-            <a:off x="296855" y="4660640"/>
-            <a:ext cx="1660647" cy="369332"/>
-          </a:xfrm>
-          <a:prstGeom prst="rect">
-            <a:avLst/>
-          </a:prstGeom>
-          <a:noFill/>
-        </p:spPr>
-        <p:txBody>
-          <a:bodyPr wrap="none" rtlCol="0">
-            <a:spAutoFit/>
-          </a:bodyPr>
-          <a:lstStyle/>
-          <a:p>
-            <a:r>
-              <a:rPr lang="en-US" dirty="0">
-                <a:solidFill>
-                  <a:schemeClr val="bg1"/>
-                </a:solidFill>
-              </a:rPr>
-              <a:t>Booking System</a:t>
-            </a:r>
-            <a:endParaRPr lang="en-UG" dirty="0">
-              <a:solidFill>
-                <a:schemeClr val="bg1"/>
-              </a:solidFill>
-            </a:endParaRPr>
-          </a:p>
-        </p:txBody>
-      </p:sp>
-      <p:pic>
-        <p:nvPicPr>
-          <p:cNvPr id="15" name="Picture 14" descr="A silhouette of two people sitting in a lotus position&#10;&#10;Description automatically generated">
-            <a:extLst>
-              <a:ext uri="{FF2B5EF4-FFF2-40B4-BE49-F238E27FC236}">
-                <a16:creationId xmlns:a16="http://schemas.microsoft.com/office/drawing/2014/main" id="{C5A82920-2BC4-0071-0A7B-496525A3CD95}"/>
-              </a:ext>
-            </a:extLst>
-          </p:cNvPr>
-          <p:cNvPicPr>
-            <a:picLocks noChangeAspect="1"/>
-          </p:cNvPicPr>
-          <p:nvPr/>
-        </p:nvPicPr>
-        <p:blipFill>
-          <a:blip r:embed="rId4">
-            <a:extLst>
-              <a:ext uri="{28A0092B-C50C-407E-A947-70E740481C1C}">
-                <a14:useLocalDpi xmlns:a14="http://schemas.microsoft.com/office/drawing/2010/main" val="0"/>
-              </a:ext>
-            </a:extLst>
-          </a:blip>
-          <a:stretch>
-            <a:fillRect/>
-          </a:stretch>
-        </p:blipFill>
-        <p:spPr>
-          <a:xfrm>
-            <a:off x="419050" y="256320"/>
-            <a:ext cx="1865376" cy="1289304"/>
-          </a:xfrm>
-          <a:prstGeom prst="rect">
-            <a:avLst/>
-          </a:prstGeom>
-        </p:spPr>
-      </p:pic>
       <p:pic>
         <p:nvPicPr>
           <p:cNvPr id="1026" name="Picture 2">
@@ -7264,7 +7780,7 @@
         </p:blipFill>
         <p:spPr bwMode="auto">
           <a:xfrm>
-            <a:off x="3014583" y="11439071"/>
+            <a:off x="1995748" y="11422954"/>
             <a:ext cx="1254128" cy="676245"/>
           </a:xfrm>
           <a:prstGeom prst="rect">
@@ -7390,8 +7906,8 @@
         </p:nvSpPr>
         <p:spPr>
           <a:xfrm>
-            <a:off x="-6343" y="10990506"/>
-            <a:ext cx="2966497" cy="1200329"/>
+            <a:off x="163392" y="10566020"/>
+            <a:ext cx="4660967" cy="923330"/>
           </a:xfrm>
           <a:prstGeom prst="rect">
             <a:avLst/>
@@ -7491,10 +8007,10 @@
         </p:nvGrpSpPr>
         <p:grpSpPr>
           <a:xfrm>
-            <a:off x="4345181" y="7989989"/>
-            <a:ext cx="2440005" cy="2646669"/>
-            <a:chOff x="3933473" y="7999867"/>
-            <a:chExt cx="2440005" cy="2209843"/>
+            <a:off x="4719830" y="7526163"/>
+            <a:ext cx="2063824" cy="2768921"/>
+            <a:chOff x="3933472" y="7999868"/>
+            <a:chExt cx="2440005" cy="2026161"/>
           </a:xfrm>
         </p:grpSpPr>
         <p:sp>
@@ -7511,8 +8027,8 @@
           </p:nvSpPr>
           <p:spPr>
             <a:xfrm>
-              <a:off x="3933473" y="7999867"/>
-              <a:ext cx="1348639" cy="369332"/>
+              <a:off x="3933472" y="7999868"/>
+              <a:ext cx="2440004" cy="270259"/>
             </a:xfrm>
             <a:prstGeom prst="rect">
               <a:avLst/>
@@ -7520,7 +8036,7 @@
             <a:noFill/>
           </p:spPr>
           <p:txBody>
-            <a:bodyPr wrap="none" rtlCol="0">
+            <a:bodyPr wrap="square" rtlCol="0">
               <a:spAutoFit/>
             </a:bodyPr>
             <a:lstStyle/>
@@ -7555,8 +8071,8 @@
           </p:nvSpPr>
           <p:spPr>
             <a:xfrm>
-              <a:off x="3933473" y="8455384"/>
-              <a:ext cx="2440005" cy="1754326"/>
+              <a:off x="3933472" y="8336910"/>
+              <a:ext cx="2440005" cy="1689119"/>
             </a:xfrm>
             <a:prstGeom prst="rect">
               <a:avLst/>
@@ -7575,56 +8091,137 @@
                     <a:schemeClr val="bg1"/>
                   </a:solidFill>
                 </a:rPr>
-                <a:t>PT-Manager shows the details for all the classes available to the client. The client can filter the programs to find the class they want.</a:t>
+                <a:t>PT-Manager shows the details for ongoing </a:t>
+              </a:r>
+              <a:r>
+                <a:rPr lang="en-US">
+                  <a:solidFill>
+                    <a:schemeClr val="bg1"/>
+                  </a:solidFill>
+                </a:rPr>
+                <a:t>workout programs available </a:t>
+              </a:r>
+              <a:r>
+                <a:rPr lang="en-US" dirty="0">
+                  <a:solidFill>
+                    <a:schemeClr val="bg1"/>
+                  </a:solidFill>
+                </a:rPr>
+                <a:t>to the client. The client can filter the programs to find the class they want.</a:t>
               </a:r>
             </a:p>
           </p:txBody>
         </p:sp>
       </p:grpSp>
-      <p:sp>
-        <p:nvSpPr>
-          <p:cNvPr id="18" name="TextBox 17">
+      <p:grpSp>
+        <p:nvGrpSpPr>
+          <p:cNvPr id="4" name="Group 3">
             <a:extLst>
               <a:ext uri="{FF2B5EF4-FFF2-40B4-BE49-F238E27FC236}">
-                <a16:creationId xmlns:a16="http://schemas.microsoft.com/office/drawing/2014/main" id="{D9F6FF1D-787C-EA87-D7BF-A0560437F047}"/>
+                <a16:creationId xmlns:a16="http://schemas.microsoft.com/office/drawing/2014/main" id="{172FE837-FB73-1502-2288-D8ABB2E6CE33}"/>
               </a:ext>
             </a:extLst>
           </p:cNvPr>
-          <p:cNvSpPr txBox="1"/>
+          <p:cNvGrpSpPr/>
           <p:nvPr/>
-        </p:nvSpPr>
-        <p:spPr>
+        </p:nvGrpSpPr>
+        <p:grpSpPr>
           <a:xfrm>
-            <a:off x="290576" y="5171729"/>
-            <a:ext cx="4845091" cy="1200329"/>
+            <a:off x="296855" y="4594907"/>
+            <a:ext cx="4701865" cy="1602172"/>
+            <a:chOff x="296855" y="4660640"/>
+            <a:chExt cx="4701865" cy="1602172"/>
           </a:xfrm>
-          <a:prstGeom prst="rect">
-            <a:avLst/>
-          </a:prstGeom>
-          <a:noFill/>
-        </p:spPr>
-        <p:txBody>
-          <a:bodyPr wrap="square" rtlCol="0">
-            <a:spAutoFit/>
-          </a:bodyPr>
-          <a:lstStyle/>
-          <a:p>
-            <a:r>
-              <a:rPr lang="en-US" dirty="0">
+        </p:grpSpPr>
+        <p:sp>
+          <p:nvSpPr>
+            <p:cNvPr id="9" name="TextBox 8">
+              <a:extLst>
+                <a:ext uri="{FF2B5EF4-FFF2-40B4-BE49-F238E27FC236}">
+                  <a16:creationId xmlns:a16="http://schemas.microsoft.com/office/drawing/2014/main" id="{299B5EBF-9BD6-45F2-54AE-0C9AD482E822}"/>
+                </a:ext>
+              </a:extLst>
+            </p:cNvPr>
+            <p:cNvSpPr txBox="1"/>
+            <p:nvPr/>
+          </p:nvSpPr>
+          <p:spPr>
+            <a:xfrm>
+              <a:off x="296855" y="4660640"/>
+              <a:ext cx="1660647" cy="369332"/>
+            </a:xfrm>
+            <a:prstGeom prst="rect">
+              <a:avLst/>
+            </a:prstGeom>
+            <a:noFill/>
+          </p:spPr>
+          <p:txBody>
+            <a:bodyPr wrap="none" rtlCol="0">
+              <a:spAutoFit/>
+            </a:bodyPr>
+            <a:lstStyle/>
+            <a:p>
+              <a:r>
+                <a:rPr lang="en-US" dirty="0">
+                  <a:solidFill>
+                    <a:schemeClr val="bg1"/>
+                  </a:solidFill>
+                </a:rPr>
+                <a:t>Booking System</a:t>
+              </a:r>
+              <a:endParaRPr lang="en-UG" dirty="0">
                 <a:solidFill>
                   <a:schemeClr val="bg1"/>
                 </a:solidFill>
-              </a:rPr>
-              <a:t>Trainers can book slots on available days to hold classes that clients can sign up for. If a trainer is unable to make their appointment they can reschedule</a:t>
-            </a:r>
-            <a:endParaRPr lang="en-UG" dirty="0">
-              <a:solidFill>
-                <a:schemeClr val="bg1"/>
-              </a:solidFill>
-            </a:endParaRPr>
-          </a:p>
-        </p:txBody>
-      </p:sp>
+              </a:endParaRPr>
+            </a:p>
+          </p:txBody>
+        </p:sp>
+        <p:sp>
+          <p:nvSpPr>
+            <p:cNvPr id="18" name="TextBox 17">
+              <a:extLst>
+                <a:ext uri="{FF2B5EF4-FFF2-40B4-BE49-F238E27FC236}">
+                  <a16:creationId xmlns:a16="http://schemas.microsoft.com/office/drawing/2014/main" id="{D9F6FF1D-787C-EA87-D7BF-A0560437F047}"/>
+                </a:ext>
+              </a:extLst>
+            </p:cNvPr>
+            <p:cNvSpPr txBox="1"/>
+            <p:nvPr/>
+          </p:nvSpPr>
+          <p:spPr>
+            <a:xfrm>
+              <a:off x="296855" y="5062483"/>
+              <a:ext cx="4701865" cy="1200329"/>
+            </a:xfrm>
+            <a:prstGeom prst="rect">
+              <a:avLst/>
+            </a:prstGeom>
+            <a:noFill/>
+          </p:spPr>
+          <p:txBody>
+            <a:bodyPr wrap="square" rtlCol="0">
+              <a:spAutoFit/>
+            </a:bodyPr>
+            <a:lstStyle/>
+            <a:p>
+              <a:r>
+                <a:rPr lang="en-US" dirty="0">
+                  <a:solidFill>
+                    <a:schemeClr val="bg1"/>
+                  </a:solidFill>
+                </a:rPr>
+                <a:t>Trainers can book slots on available days to hold classes that clients can sign up for. Slots are added to the database and updated through the server for any changes the trainer makes.</a:t>
+              </a:r>
+              <a:endParaRPr lang="en-UG" dirty="0">
+                <a:solidFill>
+                  <a:schemeClr val="bg1"/>
+                </a:solidFill>
+              </a:endParaRPr>
+            </a:p>
+          </p:txBody>
+        </p:sp>
+      </p:grpSp>
       <p:pic>
         <p:nvPicPr>
           <p:cNvPr id="24" name="Picture 23" descr="A screenshot of a cell phone&#10;&#10;Description automatically generated">
@@ -7689,12 +8286,89 @@
         </p:blipFill>
         <p:spPr>
           <a:xfrm>
-            <a:off x="2494577" y="7730208"/>
+            <a:off x="2820469" y="7498897"/>
             <a:ext cx="1715789" cy="3020894"/>
           </a:xfrm>
           <a:prstGeom prst="rect">
             <a:avLst/>
           </a:prstGeom>
+        </p:spPr>
+      </p:pic>
+      <p:pic>
+        <p:nvPicPr>
+          <p:cNvPr id="11" name="Picture 10">
+            <a:extLst>
+              <a:ext uri="{FF2B5EF4-FFF2-40B4-BE49-F238E27FC236}">
+                <a16:creationId xmlns:a16="http://schemas.microsoft.com/office/drawing/2014/main" id="{6973DB18-264A-D063-F0B9-0BD6C758E939}"/>
+              </a:ext>
+            </a:extLst>
+          </p:cNvPr>
+          <p:cNvPicPr>
+            <a:picLocks noChangeAspect="1"/>
+          </p:cNvPicPr>
+          <p:nvPr/>
+        </p:nvPicPr>
+        <p:blipFill>
+          <a:blip r:embed="rId11"/>
+          <a:stretch>
+            <a:fillRect/>
+          </a:stretch>
+        </p:blipFill>
+        <p:spPr>
+          <a:xfrm>
+            <a:off x="489405" y="255308"/>
+            <a:ext cx="1926725" cy="1100986"/>
+          </a:xfrm>
+          <a:prstGeom prst="rect">
+            <a:avLst/>
+          </a:prstGeom>
+        </p:spPr>
+      </p:pic>
+      <p:pic>
+        <p:nvPicPr>
+          <p:cNvPr id="12" name="Picture 2" descr="Node.js&quot; Icon - Download for free – Iconduck">
+            <a:extLst>
+              <a:ext uri="{FF2B5EF4-FFF2-40B4-BE49-F238E27FC236}">
+                <a16:creationId xmlns:a16="http://schemas.microsoft.com/office/drawing/2014/main" id="{780B7BA1-3514-9DE8-5C3A-B6641D67072D}"/>
+              </a:ext>
+            </a:extLst>
+          </p:cNvPr>
+          <p:cNvPicPr>
+            <a:picLocks noChangeAspect="1" noChangeArrowheads="1"/>
+          </p:cNvPicPr>
+          <p:nvPr/>
+        </p:nvPicPr>
+        <p:blipFill>
+          <a:blip r:embed="rId12">
+            <a:extLst>
+              <a:ext uri="{28A0092B-C50C-407E-A947-70E740481C1C}">
+                <a14:useLocalDpi xmlns:a14="http://schemas.microsoft.com/office/drawing/2010/main" val="0"/>
+              </a:ext>
+            </a:extLst>
+          </a:blip>
+          <a:srcRect/>
+          <a:stretch>
+            <a:fillRect/>
+          </a:stretch>
+        </p:blipFill>
+        <p:spPr bwMode="auto">
+          <a:xfrm>
+            <a:off x="3436438" y="11153352"/>
+            <a:ext cx="879140" cy="991453"/>
+          </a:xfrm>
+          <a:prstGeom prst="rect">
+            <a:avLst/>
+          </a:prstGeom>
+          <a:noFill/>
+          <a:extLst>
+            <a:ext uri="{909E8E84-426E-40DD-AFC4-6F175D3DCCD1}">
+              <a14:hiddenFill xmlns:a14="http://schemas.microsoft.com/office/drawing/2010/main">
+                <a:solidFill>
+                  <a:srgbClr val="FFFFFF"/>
+                </a:solidFill>
+              </a14:hiddenFill>
+            </a:ext>
+          </a:extLst>
         </p:spPr>
       </p:pic>
     </p:spTree>
@@ -7969,4 +8643,299 @@
     </a:ext>
   </a:extLst>
 </a:theme>
+</file>
+
+<file path=ppt/theme/theme2.xml><?xml version="1.0" encoding="utf-8"?>
+<a:theme xmlns:a="http://schemas.openxmlformats.org/drawingml/2006/main" name="Office Theme">
+  <a:themeElements>
+    <a:clrScheme name="Office">
+      <a:dk1>
+        <a:sysClr val="windowText" lastClr="000000"/>
+      </a:dk1>
+      <a:lt1>
+        <a:sysClr val="window" lastClr="FFFFFF"/>
+      </a:lt1>
+      <a:dk2>
+        <a:srgbClr val="44546A"/>
+      </a:dk2>
+      <a:lt2>
+        <a:srgbClr val="E7E6E6"/>
+      </a:lt2>
+      <a:accent1>
+        <a:srgbClr val="4472C4"/>
+      </a:accent1>
+      <a:accent2>
+        <a:srgbClr val="ED7D31"/>
+      </a:accent2>
+      <a:accent3>
+        <a:srgbClr val="A5A5A5"/>
+      </a:accent3>
+      <a:accent4>
+        <a:srgbClr val="FFC000"/>
+      </a:accent4>
+      <a:accent5>
+        <a:srgbClr val="5B9BD5"/>
+      </a:accent5>
+      <a:accent6>
+        <a:srgbClr val="70AD47"/>
+      </a:accent6>
+      <a:hlink>
+        <a:srgbClr val="0563C1"/>
+      </a:hlink>
+      <a:folHlink>
+        <a:srgbClr val="954F72"/>
+      </a:folHlink>
+    </a:clrScheme>
+    <a:fontScheme name="Office">
+      <a:majorFont>
+        <a:latin typeface="Calibri Light" panose="020F0302020204030204"/>
+        <a:ea typeface=""/>
+        <a:cs typeface=""/>
+        <a:font script="Jpan" typeface="游ゴシック Light"/>
+        <a:font script="Hang" typeface="맑은 고딕"/>
+        <a:font script="Hans" typeface="等线 Light"/>
+        <a:font script="Hant" typeface="新細明體"/>
+        <a:font script="Arab" typeface="Times New Roman"/>
+        <a:font script="Hebr" typeface="Times New Roman"/>
+        <a:font script="Thai" typeface="Angsana New"/>
+        <a:font script="Ethi" typeface="Nyala"/>
+        <a:font script="Beng" typeface="Vrinda"/>
+        <a:font script="Gujr" typeface="Shruti"/>
+        <a:font script="Khmr" typeface="MoolBoran"/>
+        <a:font script="Knda" typeface="Tunga"/>
+        <a:font script="Guru" typeface="Raavi"/>
+        <a:font script="Cans" typeface="Euphemia"/>
+        <a:font script="Cher" typeface="Plantagenet Cherokee"/>
+        <a:font script="Yiii" typeface="Microsoft Yi Baiti"/>
+        <a:font script="Tibt" typeface="Microsoft Himalaya"/>
+        <a:font script="Thaa" typeface="MV Boli"/>
+        <a:font script="Deva" typeface="Mangal"/>
+        <a:font script="Telu" typeface="Gautami"/>
+        <a:font script="Taml" typeface="Latha"/>
+        <a:font script="Syrc" typeface="Estrangelo Edessa"/>
+        <a:font script="Orya" typeface="Kalinga"/>
+        <a:font script="Mlym" typeface="Kartika"/>
+        <a:font script="Laoo" typeface="DokChampa"/>
+        <a:font script="Sinh" typeface="Iskoola Pota"/>
+        <a:font script="Mong" typeface="Mongolian Baiti"/>
+        <a:font script="Viet" typeface="Times New Roman"/>
+        <a:font script="Uigh" typeface="Microsoft Uighur"/>
+        <a:font script="Geor" typeface="Sylfaen"/>
+        <a:font script="Armn" typeface="Arial"/>
+        <a:font script="Bugi" typeface="Leelawadee UI"/>
+        <a:font script="Bopo" typeface="Microsoft JhengHei"/>
+        <a:font script="Java" typeface="Javanese Text"/>
+        <a:font script="Lisu" typeface="Segoe UI"/>
+        <a:font script="Mymr" typeface="Myanmar Text"/>
+        <a:font script="Nkoo" typeface="Ebrima"/>
+        <a:font script="Olck" typeface="Nirmala UI"/>
+        <a:font script="Osma" typeface="Ebrima"/>
+        <a:font script="Phag" typeface="Phagspa"/>
+        <a:font script="Syrn" typeface="Estrangelo Edessa"/>
+        <a:font script="Syrj" typeface="Estrangelo Edessa"/>
+        <a:font script="Syre" typeface="Estrangelo Edessa"/>
+        <a:font script="Sora" typeface="Nirmala UI"/>
+        <a:font script="Tale" typeface="Microsoft Tai Le"/>
+        <a:font script="Talu" typeface="Microsoft New Tai Lue"/>
+        <a:font script="Tfng" typeface="Ebrima"/>
+      </a:majorFont>
+      <a:minorFont>
+        <a:latin typeface="Calibri" panose="020F0502020204030204"/>
+        <a:ea typeface=""/>
+        <a:cs typeface=""/>
+        <a:font script="Jpan" typeface="游ゴシック"/>
+        <a:font script="Hang" typeface="맑은 고딕"/>
+        <a:font script="Hans" typeface="等线"/>
+        <a:font script="Hant" typeface="新細明體"/>
+        <a:font script="Arab" typeface="Arial"/>
+        <a:font script="Hebr" typeface="Arial"/>
+        <a:font script="Thai" typeface="Cordia New"/>
+        <a:font script="Ethi" typeface="Nyala"/>
+        <a:font script="Beng" typeface="Vrinda"/>
+        <a:font script="Gujr" typeface="Shruti"/>
+        <a:font script="Khmr" typeface="DaunPenh"/>
+        <a:font script="Knda" typeface="Tunga"/>
+        <a:font script="Guru" typeface="Raavi"/>
+        <a:font script="Cans" typeface="Euphemia"/>
+        <a:font script="Cher" typeface="Plantagenet Cherokee"/>
+        <a:font script="Yiii" typeface="Microsoft Yi Baiti"/>
+        <a:font script="Tibt" typeface="Microsoft Himalaya"/>
+        <a:font script="Thaa" typeface="MV Boli"/>
+        <a:font script="Deva" typeface="Mangal"/>
+        <a:font script="Telu" typeface="Gautami"/>
+        <a:font script="Taml" typeface="Latha"/>
+        <a:font script="Syrc" typeface="Estrangelo Edessa"/>
+        <a:font script="Orya" typeface="Kalinga"/>
+        <a:font script="Mlym" typeface="Kartika"/>
+        <a:font script="Laoo" typeface="DokChampa"/>
+        <a:font script="Sinh" typeface="Iskoola Pota"/>
+        <a:font script="Mong" typeface="Mongolian Baiti"/>
+        <a:font script="Viet" typeface="Arial"/>
+        <a:font script="Uigh" typeface="Microsoft Uighur"/>
+        <a:font script="Geor" typeface="Sylfaen"/>
+        <a:font script="Armn" typeface="Arial"/>
+        <a:font script="Bugi" typeface="Leelawadee UI"/>
+        <a:font script="Bopo" typeface="Microsoft JhengHei"/>
+        <a:font script="Java" typeface="Javanese Text"/>
+        <a:font script="Lisu" typeface="Segoe UI"/>
+        <a:font script="Mymr" typeface="Myanmar Text"/>
+        <a:font script="Nkoo" typeface="Ebrima"/>
+        <a:font script="Olck" typeface="Nirmala UI"/>
+        <a:font script="Osma" typeface="Ebrima"/>
+        <a:font script="Phag" typeface="Phagspa"/>
+        <a:font script="Syrn" typeface="Estrangelo Edessa"/>
+        <a:font script="Syrj" typeface="Estrangelo Edessa"/>
+        <a:font script="Syre" typeface="Estrangelo Edessa"/>
+        <a:font script="Sora" typeface="Nirmala UI"/>
+        <a:font script="Tale" typeface="Microsoft Tai Le"/>
+        <a:font script="Talu" typeface="Microsoft New Tai Lue"/>
+        <a:font script="Tfng" typeface="Ebrima"/>
+      </a:minorFont>
+    </a:fontScheme>
+    <a:fmtScheme name="Office">
+      <a:fillStyleLst>
+        <a:solidFill>
+          <a:schemeClr val="phClr"/>
+        </a:solidFill>
+        <a:gradFill rotWithShape="1">
+          <a:gsLst>
+            <a:gs pos="0">
+              <a:schemeClr val="phClr">
+                <a:lumMod val="110000"/>
+                <a:satMod val="105000"/>
+                <a:tint val="67000"/>
+              </a:schemeClr>
+            </a:gs>
+            <a:gs pos="50000">
+              <a:schemeClr val="phClr">
+                <a:lumMod val="105000"/>
+                <a:satMod val="103000"/>
+                <a:tint val="73000"/>
+              </a:schemeClr>
+            </a:gs>
+            <a:gs pos="100000">
+              <a:schemeClr val="phClr">
+                <a:lumMod val="105000"/>
+                <a:satMod val="109000"/>
+                <a:tint val="81000"/>
+              </a:schemeClr>
+            </a:gs>
+          </a:gsLst>
+          <a:lin ang="5400000" scaled="0"/>
+        </a:gradFill>
+        <a:gradFill rotWithShape="1">
+          <a:gsLst>
+            <a:gs pos="0">
+              <a:schemeClr val="phClr">
+                <a:satMod val="103000"/>
+                <a:lumMod val="102000"/>
+                <a:tint val="94000"/>
+              </a:schemeClr>
+            </a:gs>
+            <a:gs pos="50000">
+              <a:schemeClr val="phClr">
+                <a:satMod val="110000"/>
+                <a:lumMod val="100000"/>
+                <a:shade val="100000"/>
+              </a:schemeClr>
+            </a:gs>
+            <a:gs pos="100000">
+              <a:schemeClr val="phClr">
+                <a:lumMod val="99000"/>
+                <a:satMod val="120000"/>
+                <a:shade val="78000"/>
+              </a:schemeClr>
+            </a:gs>
+          </a:gsLst>
+          <a:lin ang="5400000" scaled="0"/>
+        </a:gradFill>
+      </a:fillStyleLst>
+      <a:lnStyleLst>
+        <a:ln w="6350" cap="flat" cmpd="sng" algn="ctr">
+          <a:solidFill>
+            <a:schemeClr val="phClr"/>
+          </a:solidFill>
+          <a:prstDash val="solid"/>
+          <a:miter lim="800000"/>
+        </a:ln>
+        <a:ln w="12700" cap="flat" cmpd="sng" algn="ctr">
+          <a:solidFill>
+            <a:schemeClr val="phClr"/>
+          </a:solidFill>
+          <a:prstDash val="solid"/>
+          <a:miter lim="800000"/>
+        </a:ln>
+        <a:ln w="19050" cap="flat" cmpd="sng" algn="ctr">
+          <a:solidFill>
+            <a:schemeClr val="phClr"/>
+          </a:solidFill>
+          <a:prstDash val="solid"/>
+          <a:miter lim="800000"/>
+        </a:ln>
+      </a:lnStyleLst>
+      <a:effectStyleLst>
+        <a:effectStyle>
+          <a:effectLst/>
+        </a:effectStyle>
+        <a:effectStyle>
+          <a:effectLst/>
+        </a:effectStyle>
+        <a:effectStyle>
+          <a:effectLst>
+            <a:outerShdw blurRad="57150" dist="19050" dir="5400000" algn="ctr" rotWithShape="0">
+              <a:srgbClr val="000000">
+                <a:alpha val="63000"/>
+              </a:srgbClr>
+            </a:outerShdw>
+          </a:effectLst>
+        </a:effectStyle>
+      </a:effectStyleLst>
+      <a:bgFillStyleLst>
+        <a:solidFill>
+          <a:schemeClr val="phClr"/>
+        </a:solidFill>
+        <a:solidFill>
+          <a:schemeClr val="phClr">
+            <a:tint val="95000"/>
+            <a:satMod val="170000"/>
+          </a:schemeClr>
+        </a:solidFill>
+        <a:gradFill rotWithShape="1">
+          <a:gsLst>
+            <a:gs pos="0">
+              <a:schemeClr val="phClr">
+                <a:tint val="93000"/>
+                <a:satMod val="150000"/>
+                <a:shade val="98000"/>
+                <a:lumMod val="102000"/>
+              </a:schemeClr>
+            </a:gs>
+            <a:gs pos="50000">
+              <a:schemeClr val="phClr">
+                <a:tint val="98000"/>
+                <a:satMod val="130000"/>
+                <a:shade val="90000"/>
+                <a:lumMod val="103000"/>
+              </a:schemeClr>
+            </a:gs>
+            <a:gs pos="100000">
+              <a:schemeClr val="phClr">
+                <a:shade val="63000"/>
+                <a:satMod val="120000"/>
+              </a:schemeClr>
+            </a:gs>
+          </a:gsLst>
+          <a:lin ang="5400000" scaled="0"/>
+        </a:gradFill>
+      </a:bgFillStyleLst>
+    </a:fmtScheme>
+  </a:themeElements>
+  <a:objectDefaults/>
+  <a:extraClrSchemeLst/>
+  <a:extLst>
+    <a:ext uri="{05A4C25C-085E-4340-85A3-A5531E510DB2}">
+      <thm15:themeFamily xmlns:thm15="http://schemas.microsoft.com/office/thememl/2012/main" name="Office Theme" id="{62F939B6-93AF-4DB8-9C6B-D6C7DFDC589F}" vid="{4A3C46E8-61CC-4603-A589-7422A47A8E4A}"/>
+    </a:ext>
+  </a:extLst>
+</a:theme>
 </file>